--- a/images/logos/FAIRER-Aware Font.pptx
+++ b/images/logos/FAIRER-Aware Font.pptx
@@ -11,6 +11,7 @@
     <p:sldId id="262" r:id="rId5"/>
     <p:sldId id="259" r:id="rId6"/>
     <p:sldId id="258" r:id="rId7"/>
+    <p:sldId id="263" r:id="rId8"/>
   </p:sldIdLst>
   <p:sldSz cx="12192000" cy="6858000"/>
   <p:notesSz cx="6858000" cy="9144000"/>
@@ -458,7 +459,7 @@
           <a:p>
             <a:fld id="{CFA7E1E1-1AED-45C9-ACD5-3100DF9D7791}" type="datetimeFigureOut">
               <a:rPr lang="en-US" smtClean="0"/>
-              <a:t>3/14/2024</a:t>
+              <a:t>6/3/2024</a:t>
             </a:fld>
             <a:endParaRPr lang="en-US"/>
           </a:p>
@@ -656,7 +657,7 @@
           <a:p>
             <a:fld id="{CFA7E1E1-1AED-45C9-ACD5-3100DF9D7791}" type="datetimeFigureOut">
               <a:rPr lang="en-US" smtClean="0"/>
-              <a:t>3/14/2024</a:t>
+              <a:t>6/3/2024</a:t>
             </a:fld>
             <a:endParaRPr lang="en-US"/>
           </a:p>
@@ -864,7 +865,7 @@
           <a:p>
             <a:fld id="{CFA7E1E1-1AED-45C9-ACD5-3100DF9D7791}" type="datetimeFigureOut">
               <a:rPr lang="en-US" smtClean="0"/>
-              <a:t>3/14/2024</a:t>
+              <a:t>6/3/2024</a:t>
             </a:fld>
             <a:endParaRPr lang="en-US"/>
           </a:p>
@@ -1062,7 +1063,7 @@
           <a:p>
             <a:fld id="{CFA7E1E1-1AED-45C9-ACD5-3100DF9D7791}" type="datetimeFigureOut">
               <a:rPr lang="en-US" smtClean="0"/>
-              <a:t>3/14/2024</a:t>
+              <a:t>6/3/2024</a:t>
             </a:fld>
             <a:endParaRPr lang="en-US"/>
           </a:p>
@@ -1337,7 +1338,7 @@
           <a:p>
             <a:fld id="{CFA7E1E1-1AED-45C9-ACD5-3100DF9D7791}" type="datetimeFigureOut">
               <a:rPr lang="en-US" smtClean="0"/>
-              <a:t>3/14/2024</a:t>
+              <a:t>6/3/2024</a:t>
             </a:fld>
             <a:endParaRPr lang="en-US"/>
           </a:p>
@@ -1602,7 +1603,7 @@
           <a:p>
             <a:fld id="{CFA7E1E1-1AED-45C9-ACD5-3100DF9D7791}" type="datetimeFigureOut">
               <a:rPr lang="en-US" smtClean="0"/>
-              <a:t>3/14/2024</a:t>
+              <a:t>6/3/2024</a:t>
             </a:fld>
             <a:endParaRPr lang="en-US"/>
           </a:p>
@@ -2014,7 +2015,7 @@
           <a:p>
             <a:fld id="{CFA7E1E1-1AED-45C9-ACD5-3100DF9D7791}" type="datetimeFigureOut">
               <a:rPr lang="en-US" smtClean="0"/>
-              <a:t>3/14/2024</a:t>
+              <a:t>6/3/2024</a:t>
             </a:fld>
             <a:endParaRPr lang="en-US"/>
           </a:p>
@@ -2155,7 +2156,7 @@
           <a:p>
             <a:fld id="{CFA7E1E1-1AED-45C9-ACD5-3100DF9D7791}" type="datetimeFigureOut">
               <a:rPr lang="en-US" smtClean="0"/>
-              <a:t>3/14/2024</a:t>
+              <a:t>6/3/2024</a:t>
             </a:fld>
             <a:endParaRPr lang="en-US"/>
           </a:p>
@@ -2268,7 +2269,7 @@
           <a:p>
             <a:fld id="{CFA7E1E1-1AED-45C9-ACD5-3100DF9D7791}" type="datetimeFigureOut">
               <a:rPr lang="en-US" smtClean="0"/>
-              <a:t>3/14/2024</a:t>
+              <a:t>6/3/2024</a:t>
             </a:fld>
             <a:endParaRPr lang="en-US"/>
           </a:p>
@@ -2579,7 +2580,7 @@
           <a:p>
             <a:fld id="{CFA7E1E1-1AED-45C9-ACD5-3100DF9D7791}" type="datetimeFigureOut">
               <a:rPr lang="en-US" smtClean="0"/>
-              <a:t>3/14/2024</a:t>
+              <a:t>6/3/2024</a:t>
             </a:fld>
             <a:endParaRPr lang="en-US"/>
           </a:p>
@@ -2867,7 +2868,7 @@
           <a:p>
             <a:fld id="{CFA7E1E1-1AED-45C9-ACD5-3100DF9D7791}" type="datetimeFigureOut">
               <a:rPr lang="en-US" smtClean="0"/>
-              <a:t>3/14/2024</a:t>
+              <a:t>6/3/2024</a:t>
             </a:fld>
             <a:endParaRPr lang="en-US"/>
           </a:p>
@@ -3113,7 +3114,7 @@
           <a:p>
             <a:fld id="{CFA7E1E1-1AED-45C9-ACD5-3100DF9D7791}" type="datetimeFigureOut">
               <a:rPr lang="en-US" smtClean="0"/>
-              <a:t>3/14/2024</a:t>
+              <a:t>6/3/2024</a:t>
             </a:fld>
             <a:endParaRPr lang="en-US"/>
           </a:p>
@@ -4221,6 +4222,96 @@
     <p:extLst>
       <p:ext uri="{BB962C8B-B14F-4D97-AF65-F5344CB8AC3E}">
         <p14:creationId xmlns:p14="http://schemas.microsoft.com/office/powerpoint/2010/main" val="1310574092"/>
+      </p:ext>
+    </p:extLst>
+  </p:cSld>
+  <p:clrMapOvr>
+    <a:masterClrMapping/>
+  </p:clrMapOvr>
+</p:sld>
+</file>
+
+<file path=ppt/slides/slide7.xml><?xml version="1.0" encoding="utf-8"?>
+<p:sld xmlns:a="http://schemas.openxmlformats.org/drawingml/2006/main" xmlns:r="http://schemas.openxmlformats.org/officeDocument/2006/relationships" xmlns:p="http://schemas.openxmlformats.org/presentationml/2006/main">
+  <p:cSld>
+    <p:spTree>
+      <p:nvGrpSpPr>
+        <p:cNvPr id="1" name=""/>
+        <p:cNvGrpSpPr/>
+        <p:nvPr/>
+      </p:nvGrpSpPr>
+      <p:grpSpPr>
+        <a:xfrm>
+          <a:off x="0" y="0"/>
+          <a:ext cx="0" cy="0"/>
+          <a:chOff x="0" y="0"/>
+          <a:chExt cx="0" cy="0"/>
+        </a:xfrm>
+      </p:grpSpPr>
+      <p:sp>
+        <p:nvSpPr>
+          <p:cNvPr id="4" name="Title 1">
+            <a:extLst>
+              <a:ext uri="{FF2B5EF4-FFF2-40B4-BE49-F238E27FC236}">
+                <a16:creationId xmlns:a16="http://schemas.microsoft.com/office/drawing/2014/main" id="{205B3B2E-4270-4355-C3F9-6300FA35FE3F}"/>
+              </a:ext>
+            </a:extLst>
+          </p:cNvPr>
+          <p:cNvSpPr txBox="1">
+            <a:spLocks/>
+          </p:cNvSpPr>
+          <p:nvPr/>
+        </p:nvSpPr>
+        <p:spPr>
+          <a:xfrm>
+            <a:off x="0" y="2235200"/>
+            <a:ext cx="12192000" cy="2387600"/>
+          </a:xfrm>
+          <a:prstGeom prst="rect">
+            <a:avLst/>
+          </a:prstGeom>
+        </p:spPr>
+        <p:txBody>
+          <a:bodyPr vert="horz" lIns="91440" tIns="45720" rIns="91440" bIns="45720" rtlCol="0" anchor="ctr">
+            <a:noAutofit/>
+          </a:bodyPr>
+          <a:lstStyle>
+            <a:lvl1pPr algn="l" defTabSz="914400" rtl="0" eaLnBrk="1" latinLnBrk="0" hangingPunct="1">
+              <a:lnSpc>
+                <a:spcPct val="90000"/>
+              </a:lnSpc>
+              <a:spcBef>
+                <a:spcPct val="0"/>
+              </a:spcBef>
+              <a:buNone/>
+              <a:defRPr sz="4400" kern="1200">
+                <a:solidFill>
+                  <a:schemeClr val="tx1"/>
+                </a:solidFill>
+                <a:latin typeface="+mj-lt"/>
+                <a:ea typeface="+mj-ea"/>
+                <a:cs typeface="+mj-cs"/>
+              </a:defRPr>
+            </a:lvl1pPr>
+          </a:lstStyle>
+          <a:p>
+            <a:r>
+              <a:rPr lang="en-US" sz="8000" dirty="0">
+                <a:solidFill>
+                  <a:srgbClr val="1E3A79"/>
+                </a:solidFill>
+                <a:latin typeface="Berlin Sans FB Demi" panose="020E0802020502020306" pitchFamily="34" charset="0"/>
+                <a:cs typeface="Aharoni" panose="02010803020104030203" pitchFamily="2" charset="-79"/>
+              </a:rPr>
+              <a:t>Artificial Intelligence (AI) Safety Checklist</a:t>
+            </a:r>
+          </a:p>
+        </p:txBody>
+      </p:sp>
+    </p:spTree>
+    <p:extLst>
+      <p:ext uri="{BB962C8B-B14F-4D97-AF65-F5344CB8AC3E}">
+        <p14:creationId xmlns:p14="http://schemas.microsoft.com/office/powerpoint/2010/main" val="3874673697"/>
       </p:ext>
     </p:extLst>
   </p:cSld>

--- a/images/logos/FAIRER-Aware Font.pptx
+++ b/images/logos/FAIRER-Aware Font.pptx
@@ -12,6 +12,7 @@
     <p:sldId id="259" r:id="rId6"/>
     <p:sldId id="258" r:id="rId7"/>
     <p:sldId id="263" r:id="rId8"/>
+    <p:sldId id="264" r:id="rId9"/>
   </p:sldIdLst>
   <p:sldSz cx="12192000" cy="6858000"/>
   <p:notesSz cx="6858000" cy="9144000"/>
@@ -459,7 +460,7 @@
           <a:p>
             <a:fld id="{CFA7E1E1-1AED-45C9-ACD5-3100DF9D7791}" type="datetimeFigureOut">
               <a:rPr lang="en-US" smtClean="0"/>
-              <a:t>6/3/2024</a:t>
+              <a:t>6/5/2024</a:t>
             </a:fld>
             <a:endParaRPr lang="en-US"/>
           </a:p>
@@ -657,7 +658,7 @@
           <a:p>
             <a:fld id="{CFA7E1E1-1AED-45C9-ACD5-3100DF9D7791}" type="datetimeFigureOut">
               <a:rPr lang="en-US" smtClean="0"/>
-              <a:t>6/3/2024</a:t>
+              <a:t>6/5/2024</a:t>
             </a:fld>
             <a:endParaRPr lang="en-US"/>
           </a:p>
@@ -865,7 +866,7 @@
           <a:p>
             <a:fld id="{CFA7E1E1-1AED-45C9-ACD5-3100DF9D7791}" type="datetimeFigureOut">
               <a:rPr lang="en-US" smtClean="0"/>
-              <a:t>6/3/2024</a:t>
+              <a:t>6/5/2024</a:t>
             </a:fld>
             <a:endParaRPr lang="en-US"/>
           </a:p>
@@ -1063,7 +1064,7 @@
           <a:p>
             <a:fld id="{CFA7E1E1-1AED-45C9-ACD5-3100DF9D7791}" type="datetimeFigureOut">
               <a:rPr lang="en-US" smtClean="0"/>
-              <a:t>6/3/2024</a:t>
+              <a:t>6/5/2024</a:t>
             </a:fld>
             <a:endParaRPr lang="en-US"/>
           </a:p>
@@ -1338,7 +1339,7 @@
           <a:p>
             <a:fld id="{CFA7E1E1-1AED-45C9-ACD5-3100DF9D7791}" type="datetimeFigureOut">
               <a:rPr lang="en-US" smtClean="0"/>
-              <a:t>6/3/2024</a:t>
+              <a:t>6/5/2024</a:t>
             </a:fld>
             <a:endParaRPr lang="en-US"/>
           </a:p>
@@ -1603,7 +1604,7 @@
           <a:p>
             <a:fld id="{CFA7E1E1-1AED-45C9-ACD5-3100DF9D7791}" type="datetimeFigureOut">
               <a:rPr lang="en-US" smtClean="0"/>
-              <a:t>6/3/2024</a:t>
+              <a:t>6/5/2024</a:t>
             </a:fld>
             <a:endParaRPr lang="en-US"/>
           </a:p>
@@ -2015,7 +2016,7 @@
           <a:p>
             <a:fld id="{CFA7E1E1-1AED-45C9-ACD5-3100DF9D7791}" type="datetimeFigureOut">
               <a:rPr lang="en-US" smtClean="0"/>
-              <a:t>6/3/2024</a:t>
+              <a:t>6/5/2024</a:t>
             </a:fld>
             <a:endParaRPr lang="en-US"/>
           </a:p>
@@ -2156,7 +2157,7 @@
           <a:p>
             <a:fld id="{CFA7E1E1-1AED-45C9-ACD5-3100DF9D7791}" type="datetimeFigureOut">
               <a:rPr lang="en-US" smtClean="0"/>
-              <a:t>6/3/2024</a:t>
+              <a:t>6/5/2024</a:t>
             </a:fld>
             <a:endParaRPr lang="en-US"/>
           </a:p>
@@ -2269,7 +2270,7 @@
           <a:p>
             <a:fld id="{CFA7E1E1-1AED-45C9-ACD5-3100DF9D7791}" type="datetimeFigureOut">
               <a:rPr lang="en-US" smtClean="0"/>
-              <a:t>6/3/2024</a:t>
+              <a:t>6/5/2024</a:t>
             </a:fld>
             <a:endParaRPr lang="en-US"/>
           </a:p>
@@ -2580,7 +2581,7 @@
           <a:p>
             <a:fld id="{CFA7E1E1-1AED-45C9-ACD5-3100DF9D7791}" type="datetimeFigureOut">
               <a:rPr lang="en-US" smtClean="0"/>
-              <a:t>6/3/2024</a:t>
+              <a:t>6/5/2024</a:t>
             </a:fld>
             <a:endParaRPr lang="en-US"/>
           </a:p>
@@ -2868,7 +2869,7 @@
           <a:p>
             <a:fld id="{CFA7E1E1-1AED-45C9-ACD5-3100DF9D7791}" type="datetimeFigureOut">
               <a:rPr lang="en-US" smtClean="0"/>
-              <a:t>6/3/2024</a:t>
+              <a:t>6/5/2024</a:t>
             </a:fld>
             <a:endParaRPr lang="en-US"/>
           </a:p>
@@ -3114,7 +3115,7 @@
           <a:p>
             <a:fld id="{CFA7E1E1-1AED-45C9-ACD5-3100DF9D7791}" type="datetimeFigureOut">
               <a:rPr lang="en-US" smtClean="0"/>
-              <a:t>6/3/2024</a:t>
+              <a:t>6/5/2024</a:t>
             </a:fld>
             <a:endParaRPr lang="en-US"/>
           </a:p>
@@ -4296,14 +4297,14 @@
           </a:lstStyle>
           <a:p>
             <a:r>
-              <a:rPr lang="en-US" sz="8000" dirty="0">
+              <a:rPr lang="en-US" sz="9600" dirty="0">
                 <a:solidFill>
-                  <a:srgbClr val="1E3A79"/>
+                  <a:srgbClr val="5CC468"/>
                 </a:solidFill>
                 <a:latin typeface="Berlin Sans FB Demi" panose="020E0802020502020306" pitchFamily="34" charset="0"/>
                 <a:cs typeface="Aharoni" panose="02010803020104030203" pitchFamily="2" charset="-79"/>
               </a:rPr>
-              <a:t>Artificial Intelligence (AI) Safety Checklist</a:t>
+              <a:t>AI Safety Checklist</a:t>
             </a:r>
           </a:p>
         </p:txBody>
@@ -4312,6 +4313,78 @@
     <p:extLst>
       <p:ext uri="{BB962C8B-B14F-4D97-AF65-F5344CB8AC3E}">
         <p14:creationId xmlns:p14="http://schemas.microsoft.com/office/powerpoint/2010/main" val="3874673697"/>
+      </p:ext>
+    </p:extLst>
+  </p:cSld>
+  <p:clrMapOvr>
+    <a:masterClrMapping/>
+  </p:clrMapOvr>
+</p:sld>
+</file>
+
+<file path=ppt/slides/slide8.xml><?xml version="1.0" encoding="utf-8"?>
+<p:sld xmlns:a="http://schemas.openxmlformats.org/drawingml/2006/main" xmlns:r="http://schemas.openxmlformats.org/officeDocument/2006/relationships" xmlns:p="http://schemas.openxmlformats.org/presentationml/2006/main">
+  <p:cSld>
+    <p:spTree>
+      <p:nvGrpSpPr>
+        <p:cNvPr id="1" name=""/>
+        <p:cNvGrpSpPr/>
+        <p:nvPr/>
+      </p:nvGrpSpPr>
+      <p:grpSpPr>
+        <a:xfrm>
+          <a:off x="0" y="0"/>
+          <a:ext cx="0" cy="0"/>
+          <a:chOff x="0" y="0"/>
+          <a:chExt cx="0" cy="0"/>
+        </a:xfrm>
+      </p:grpSpPr>
+      <p:sp>
+        <p:nvSpPr>
+          <p:cNvPr id="5" name="TextBox 4">
+            <a:extLst>
+              <a:ext uri="{FF2B5EF4-FFF2-40B4-BE49-F238E27FC236}">
+                <a16:creationId xmlns:a16="http://schemas.microsoft.com/office/drawing/2014/main" id="{AF89CD8C-A6A0-F31A-0859-860786078B79}"/>
+              </a:ext>
+            </a:extLst>
+          </p:cNvPr>
+          <p:cNvSpPr txBox="1"/>
+          <p:nvPr/>
+        </p:nvSpPr>
+        <p:spPr>
+          <a:xfrm>
+            <a:off x="772160" y="1174536"/>
+            <a:ext cx="3820160" cy="4508927"/>
+          </a:xfrm>
+          <a:prstGeom prst="rect">
+            <a:avLst/>
+          </a:prstGeom>
+          <a:noFill/>
+        </p:spPr>
+        <p:txBody>
+          <a:bodyPr wrap="square">
+            <a:spAutoFit/>
+          </a:bodyPr>
+          <a:lstStyle/>
+          <a:p>
+            <a:r>
+              <a:rPr lang="en-US" sz="28700" dirty="0">
+                <a:solidFill>
+                  <a:srgbClr val="5CC468"/>
+                </a:solidFill>
+                <a:latin typeface="Berlin Sans FB Demi" panose="020E0802020502020306" pitchFamily="34" charset="0"/>
+                <a:cs typeface="Aharoni" panose="02010803020104030203" pitchFamily="2" charset="-79"/>
+              </a:rPr>
+              <a:t>AI</a:t>
+            </a:r>
+            <a:endParaRPr lang="en-US" dirty="0"/>
+          </a:p>
+        </p:txBody>
+      </p:sp>
+    </p:spTree>
+    <p:extLst>
+      <p:ext uri="{BB962C8B-B14F-4D97-AF65-F5344CB8AC3E}">
+        <p14:creationId xmlns:p14="http://schemas.microsoft.com/office/powerpoint/2010/main" val="1348934333"/>
       </p:ext>
     </p:extLst>
   </p:cSld>

--- a/images/logos/FAIRER-Aware Font.pptx
+++ b/images/logos/FAIRER-Aware Font.pptx
@@ -4304,7 +4304,17 @@
                 <a:latin typeface="Berlin Sans FB Demi" panose="020E0802020502020306" pitchFamily="34" charset="0"/>
                 <a:cs typeface="Aharoni" panose="02010803020104030203" pitchFamily="2" charset="-79"/>
               </a:rPr>
-              <a:t>AI Safety Checklist</a:t>
+              <a:t>AI Safety </a:t>
+            </a:r>
+            <a:r>
+              <a:rPr lang="en-US" sz="9600" dirty="0">
+                <a:solidFill>
+                  <a:srgbClr val="1E3A79"/>
+                </a:solidFill>
+                <a:latin typeface="Berlin Sans FB Demi" panose="020E0802020502020306" pitchFamily="34" charset="0"/>
+                <a:cs typeface="Aharoni" panose="02010803020104030203" pitchFamily="2" charset="-79"/>
+              </a:rPr>
+              <a:t>Checklist</a:t>
             </a:r>
           </a:p>
         </p:txBody>
